--- a/docs/diagrams/sd_add_card.pptx
+++ b/docs/diagrams/sd_add_card.pptx
@@ -5121,60 +5121,6 @@
             <a:r>
               <a:rPr lang="en-SG" dirty="0"/>
               <a:t>x</a:t>
-            </a:r>
-          </a:p>
-        </p:txBody>
-      </p:sp>
-      <p:sp>
-        <p:nvSpPr>
-          <p:cNvPr id="68" name="TextBox 67">
-            <a:extLst>
-              <a:ext uri="{FF2B5EF4-FFF2-40B4-BE49-F238E27FC236}">
-                <a16:creationId xmlns:a16="http://schemas.microsoft.com/office/drawing/2014/main" id="{996A2BAC-B503-4FC2-810A-426F9345E641}"/>
-              </a:ext>
-            </a:extLst>
-          </p:cNvPr>
-          <p:cNvSpPr txBox="1"/>
-          <p:nvPr/>
-        </p:nvSpPr>
-        <p:spPr>
-          <a:xfrm>
-            <a:off x="7748282" y="4380039"/>
-            <a:ext cx="786492" cy="215444"/>
-          </a:xfrm>
-          <a:prstGeom prst="rect">
-            <a:avLst/>
-          </a:prstGeom>
-          <a:noFill/>
-          <a:ln>
-            <a:noFill/>
-          </a:ln>
-        </p:spPr>
-        <p:txBody>
-          <a:bodyPr wrap="square" lIns="0" tIns="0" rIns="0" bIns="0" rtlCol="0">
-            <a:spAutoFit/>
-          </a:bodyPr>
-          <a:lstStyle>
-            <a:defPPr>
-              <a:defRPr lang="en-US"/>
-            </a:defPPr>
-            <a:lvl1pPr algn="r">
-              <a:defRPr sz="1400">
-                <a:solidFill>
-                  <a:srgbClr val="0070C0"/>
-                </a:solidFill>
-              </a:defRPr>
-            </a:lvl1pPr>
-          </a:lstStyle>
-          <a:p>
-            <a:pPr algn="ctr"/>
-            <a:r>
-              <a:rPr lang="en-US" dirty="0">
-                <a:solidFill>
-                  <a:srgbClr val="7030A0"/>
-                </a:solidFill>
-              </a:rPr>
-              <a:t>r</a:t>
             </a:r>
           </a:p>
         </p:txBody>
